--- a/UPOHOUSE.pptx
+++ b/UPOHOUSE.pptx
@@ -6607,12 +6607,12 @@
               <a:buChar char="•"/>
             </a:pPr>
             <a:r>
-              <a:rPr lang="es-ES" sz="2800" dirty="0" err="1">
+              <a:rPr lang="es-ES" sz="2800">
                 <a:solidFill>
                   <a:schemeClr val="bg1"/>
                 </a:solidFill>
               </a:rPr>
-              <a:t>Paginationes</a:t>
+              <a:t>Paginaciones </a:t>
             </a:r>
             <a:r>
               <a:rPr lang="es-ES" sz="2800" dirty="0">
@@ -6620,7 +6620,7 @@
                   <a:schemeClr val="bg1"/>
                 </a:solidFill>
               </a:rPr>
-              <a:t> síncronas y asíncronas</a:t>
+              <a:t>síncronas y asíncronas</a:t>
             </a:r>
           </a:p>
           <a:p>
